--- a/SV_Presentation.pptx
+++ b/SV_Presentation.pptx
@@ -7,6 +7,9 @@
   <p:sldIdLst>
     <p:sldId id="257" r:id="rId2"/>
     <p:sldId id="258" r:id="rId3"/>
+    <p:sldId id="259" r:id="rId4"/>
+    <p:sldId id="260" r:id="rId5"/>
+    <p:sldId id="261" r:id="rId6"/>
   </p:sldIdLst>
   <p:sldSz cx="12192000" cy="6858000"/>
   <p:notesSz cx="6858000" cy="9144000"/>
@@ -8407,7 +8410,10 @@
           <a:bodyPr/>
           <a:lstStyle/>
           <a:p>
-            <a:endParaRPr lang="en-US"/>
+            <a:r>
+              <a:rPr lang="en-US" dirty="0"/>
+              <a:t>Outline</a:t>
+            </a:r>
           </a:p>
         </p:txBody>
       </p:sp>
@@ -8440,6 +8446,255 @@
     <p:extLst>
       <p:ext uri="{BB962C8B-B14F-4D97-AF65-F5344CB8AC3E}">
         <p14:creationId xmlns:p14="http://schemas.microsoft.com/office/powerpoint/2010/main" val="1376829915"/>
+      </p:ext>
+    </p:extLst>
+  </p:cSld>
+  <p:clrMapOvr>
+    <a:masterClrMapping/>
+  </p:clrMapOvr>
+</p:sld>
+</file>
+
+<file path=ppt/slides/slide3.xml><?xml version="1.0" encoding="utf-8"?>
+<p:sld xmlns:a="http://schemas.openxmlformats.org/drawingml/2006/main" xmlns:r="http://schemas.openxmlformats.org/officeDocument/2006/relationships" xmlns:p="http://schemas.openxmlformats.org/presentationml/2006/main">
+  <p:cSld>
+    <p:spTree>
+      <p:nvGrpSpPr>
+        <p:cNvPr id="1" name=""/>
+        <p:cNvGrpSpPr/>
+        <p:nvPr/>
+      </p:nvGrpSpPr>
+      <p:grpSpPr>
+        <a:xfrm>
+          <a:off x="0" y="0"/>
+          <a:ext cx="0" cy="0"/>
+          <a:chOff x="0" y="0"/>
+          <a:chExt cx="0" cy="0"/>
+        </a:xfrm>
+      </p:grpSpPr>
+      <p:sp>
+        <p:nvSpPr>
+          <p:cNvPr id="2" name="Title 1">
+            <a:extLst>
+              <a:ext uri="{FF2B5EF4-FFF2-40B4-BE49-F238E27FC236}">
+                <a16:creationId xmlns:a16="http://schemas.microsoft.com/office/drawing/2014/main" id="{ED9B6117-D8A1-3246-81CE-95579E65BABC}"/>
+              </a:ext>
+            </a:extLst>
+          </p:cNvPr>
+          <p:cNvSpPr>
+            <a:spLocks noGrp="1"/>
+          </p:cNvSpPr>
+          <p:nvPr>
+            <p:ph type="title"/>
+          </p:nvPr>
+        </p:nvSpPr>
+        <p:spPr/>
+        <p:txBody>
+          <a:bodyPr/>
+          <a:lstStyle/>
+          <a:p>
+            <a:r>
+              <a:rPr lang="en-US" dirty="0"/>
+              <a:t>Motivation</a:t>
+            </a:r>
+          </a:p>
+        </p:txBody>
+      </p:sp>
+      <p:sp>
+        <p:nvSpPr>
+          <p:cNvPr id="3" name="Content Placeholder 2">
+            <a:extLst>
+              <a:ext uri="{FF2B5EF4-FFF2-40B4-BE49-F238E27FC236}">
+                <a16:creationId xmlns:a16="http://schemas.microsoft.com/office/drawing/2014/main" id="{EA8BE017-F946-5748-B9BE-1314C1674F8F}"/>
+              </a:ext>
+            </a:extLst>
+          </p:cNvPr>
+          <p:cNvSpPr>
+            <a:spLocks noGrp="1"/>
+          </p:cNvSpPr>
+          <p:nvPr>
+            <p:ph idx="1"/>
+          </p:nvPr>
+        </p:nvSpPr>
+        <p:spPr/>
+        <p:txBody>
+          <a:bodyPr/>
+          <a:lstStyle/>
+          <a:p>
+            <a:endParaRPr lang="en-US"/>
+          </a:p>
+        </p:txBody>
+      </p:sp>
+    </p:spTree>
+    <p:extLst>
+      <p:ext uri="{BB962C8B-B14F-4D97-AF65-F5344CB8AC3E}">
+        <p14:creationId xmlns:p14="http://schemas.microsoft.com/office/powerpoint/2010/main" val="3261796631"/>
+      </p:ext>
+    </p:extLst>
+  </p:cSld>
+  <p:clrMapOvr>
+    <a:masterClrMapping/>
+  </p:clrMapOvr>
+</p:sld>
+</file>
+
+<file path=ppt/slides/slide4.xml><?xml version="1.0" encoding="utf-8"?>
+<p:sld xmlns:a="http://schemas.openxmlformats.org/drawingml/2006/main" xmlns:r="http://schemas.openxmlformats.org/officeDocument/2006/relationships" xmlns:p="http://schemas.openxmlformats.org/presentationml/2006/main">
+  <p:cSld>
+    <p:spTree>
+      <p:nvGrpSpPr>
+        <p:cNvPr id="1" name=""/>
+        <p:cNvGrpSpPr/>
+        <p:nvPr/>
+      </p:nvGrpSpPr>
+      <p:grpSpPr>
+        <a:xfrm>
+          <a:off x="0" y="0"/>
+          <a:ext cx="0" cy="0"/>
+          <a:chOff x="0" y="0"/>
+          <a:chExt cx="0" cy="0"/>
+        </a:xfrm>
+      </p:grpSpPr>
+      <p:sp>
+        <p:nvSpPr>
+          <p:cNvPr id="2" name="Title 1">
+            <a:extLst>
+              <a:ext uri="{FF2B5EF4-FFF2-40B4-BE49-F238E27FC236}">
+                <a16:creationId xmlns:a16="http://schemas.microsoft.com/office/drawing/2014/main" id="{034D20FC-54B0-9A46-8125-BB5BE26DDC2F}"/>
+              </a:ext>
+            </a:extLst>
+          </p:cNvPr>
+          <p:cNvSpPr>
+            <a:spLocks noGrp="1"/>
+          </p:cNvSpPr>
+          <p:nvPr>
+            <p:ph type="title"/>
+          </p:nvPr>
+        </p:nvSpPr>
+        <p:spPr/>
+        <p:txBody>
+          <a:bodyPr/>
+          <a:lstStyle/>
+          <a:p>
+            <a:r>
+              <a:rPr lang="en-US" dirty="0"/>
+              <a:t>Research goal: Detection Structural Variants</a:t>
+            </a:r>
+          </a:p>
+        </p:txBody>
+      </p:sp>
+      <p:sp>
+        <p:nvSpPr>
+          <p:cNvPr id="3" name="Content Placeholder 2">
+            <a:extLst>
+              <a:ext uri="{FF2B5EF4-FFF2-40B4-BE49-F238E27FC236}">
+                <a16:creationId xmlns:a16="http://schemas.microsoft.com/office/drawing/2014/main" id="{7A4D5CD1-0057-6A41-BB2B-F23856E50553}"/>
+              </a:ext>
+            </a:extLst>
+          </p:cNvPr>
+          <p:cNvSpPr>
+            <a:spLocks noGrp="1"/>
+          </p:cNvSpPr>
+          <p:nvPr>
+            <p:ph idx="1"/>
+          </p:nvPr>
+        </p:nvSpPr>
+        <p:spPr/>
+        <p:txBody>
+          <a:bodyPr/>
+          <a:lstStyle/>
+          <a:p>
+            <a:endParaRPr lang="en-US" dirty="0"/>
+          </a:p>
+        </p:txBody>
+      </p:sp>
+    </p:spTree>
+    <p:extLst>
+      <p:ext uri="{BB962C8B-B14F-4D97-AF65-F5344CB8AC3E}">
+        <p14:creationId xmlns:p14="http://schemas.microsoft.com/office/powerpoint/2010/main" val="833736009"/>
+      </p:ext>
+    </p:extLst>
+  </p:cSld>
+  <p:clrMapOvr>
+    <a:masterClrMapping/>
+  </p:clrMapOvr>
+</p:sld>
+</file>
+
+<file path=ppt/slides/slide5.xml><?xml version="1.0" encoding="utf-8"?>
+<p:sld xmlns:a="http://schemas.openxmlformats.org/drawingml/2006/main" xmlns:r="http://schemas.openxmlformats.org/officeDocument/2006/relationships" xmlns:p="http://schemas.openxmlformats.org/presentationml/2006/main">
+  <p:cSld>
+    <p:spTree>
+      <p:nvGrpSpPr>
+        <p:cNvPr id="1" name=""/>
+        <p:cNvGrpSpPr/>
+        <p:nvPr/>
+      </p:nvGrpSpPr>
+      <p:grpSpPr>
+        <a:xfrm>
+          <a:off x="0" y="0"/>
+          <a:ext cx="0" cy="0"/>
+          <a:chOff x="0" y="0"/>
+          <a:chExt cx="0" cy="0"/>
+        </a:xfrm>
+      </p:grpSpPr>
+      <p:sp>
+        <p:nvSpPr>
+          <p:cNvPr id="2" name="Title 1">
+            <a:extLst>
+              <a:ext uri="{FF2B5EF4-FFF2-40B4-BE49-F238E27FC236}">
+                <a16:creationId xmlns:a16="http://schemas.microsoft.com/office/drawing/2014/main" id="{9C1DDA8C-047A-304F-BE5C-C36A6E73FA81}"/>
+              </a:ext>
+            </a:extLst>
+          </p:cNvPr>
+          <p:cNvSpPr>
+            <a:spLocks noGrp="1"/>
+          </p:cNvSpPr>
+          <p:nvPr>
+            <p:ph type="title"/>
+          </p:nvPr>
+        </p:nvSpPr>
+        <p:spPr/>
+        <p:txBody>
+          <a:bodyPr/>
+          <a:lstStyle/>
+          <a:p>
+            <a:r>
+              <a:rPr lang="en-US" dirty="0"/>
+              <a:t>Problem formulation</a:t>
+            </a:r>
+          </a:p>
+        </p:txBody>
+      </p:sp>
+      <p:sp>
+        <p:nvSpPr>
+          <p:cNvPr id="3" name="Content Placeholder 2">
+            <a:extLst>
+              <a:ext uri="{FF2B5EF4-FFF2-40B4-BE49-F238E27FC236}">
+                <a16:creationId xmlns:a16="http://schemas.microsoft.com/office/drawing/2014/main" id="{0401890D-5F77-384D-93DD-EA543EA6CF03}"/>
+              </a:ext>
+            </a:extLst>
+          </p:cNvPr>
+          <p:cNvSpPr>
+            <a:spLocks noGrp="1"/>
+          </p:cNvSpPr>
+          <p:nvPr>
+            <p:ph idx="1"/>
+          </p:nvPr>
+        </p:nvSpPr>
+        <p:spPr/>
+        <p:txBody>
+          <a:bodyPr/>
+          <a:lstStyle/>
+          <a:p>
+            <a:endParaRPr lang="en-US"/>
+          </a:p>
+        </p:txBody>
+      </p:sp>
+    </p:spTree>
+    <p:extLst>
+      <p:ext uri="{BB962C8B-B14F-4D97-AF65-F5344CB8AC3E}">
+        <p14:creationId xmlns:p14="http://schemas.microsoft.com/office/powerpoint/2010/main" val="2467866626"/>
       </p:ext>
     </p:extLst>
   </p:cSld>
